--- a/Lectures/Lecture 18/Lecture 18.pptx
+++ b/Lectures/Lecture 18/Lecture 18.pptx
@@ -223,7 +223,7 @@
           <a:p>
             <a:fld id="{467FE51A-BC06-4E6F-B1DA-B477364E598F}" type="datetimeFigureOut">
               <a:rPr lang="en-US" smtClean="0"/>
-              <a:t>2/29/2020</a:t>
+              <a:t>3/3/2020</a:t>
             </a:fld>
             <a:endParaRPr lang="en-US"/>
           </a:p>
@@ -637,7 +637,7 @@
           <a:p>
             <a:fld id="{11C4ABE2-2F1A-4C31-A43A-C3E7CE49CE95}" type="datetimeFigureOut">
               <a:rPr lang="en-US" smtClean="0"/>
-              <a:t>2/29/2020</a:t>
+              <a:t>3/3/2020</a:t>
             </a:fld>
             <a:endParaRPr lang="en-US"/>
           </a:p>
@@ -835,7 +835,7 @@
           <a:p>
             <a:fld id="{11C4ABE2-2F1A-4C31-A43A-C3E7CE49CE95}" type="datetimeFigureOut">
               <a:rPr lang="en-US" smtClean="0"/>
-              <a:t>2/29/2020</a:t>
+              <a:t>3/3/2020</a:t>
             </a:fld>
             <a:endParaRPr lang="en-US"/>
           </a:p>
@@ -1043,7 +1043,7 @@
           <a:p>
             <a:fld id="{11C4ABE2-2F1A-4C31-A43A-C3E7CE49CE95}" type="datetimeFigureOut">
               <a:rPr lang="en-US" smtClean="0"/>
-              <a:t>2/29/2020</a:t>
+              <a:t>3/3/2020</a:t>
             </a:fld>
             <a:endParaRPr lang="en-US"/>
           </a:p>
@@ -1241,7 +1241,7 @@
           <a:p>
             <a:fld id="{11C4ABE2-2F1A-4C31-A43A-C3E7CE49CE95}" type="datetimeFigureOut">
               <a:rPr lang="en-US" smtClean="0"/>
-              <a:t>2/29/2020</a:t>
+              <a:t>3/3/2020</a:t>
             </a:fld>
             <a:endParaRPr lang="en-US"/>
           </a:p>
@@ -1516,7 +1516,7 @@
           <a:p>
             <a:fld id="{11C4ABE2-2F1A-4C31-A43A-C3E7CE49CE95}" type="datetimeFigureOut">
               <a:rPr lang="en-US" smtClean="0"/>
-              <a:t>2/29/2020</a:t>
+              <a:t>3/3/2020</a:t>
             </a:fld>
             <a:endParaRPr lang="en-US"/>
           </a:p>
@@ -1781,7 +1781,7 @@
           <a:p>
             <a:fld id="{11C4ABE2-2F1A-4C31-A43A-C3E7CE49CE95}" type="datetimeFigureOut">
               <a:rPr lang="en-US" smtClean="0"/>
-              <a:t>2/29/2020</a:t>
+              <a:t>3/3/2020</a:t>
             </a:fld>
             <a:endParaRPr lang="en-US"/>
           </a:p>
@@ -2193,7 +2193,7 @@
           <a:p>
             <a:fld id="{11C4ABE2-2F1A-4C31-A43A-C3E7CE49CE95}" type="datetimeFigureOut">
               <a:rPr lang="en-US" smtClean="0"/>
-              <a:t>2/29/2020</a:t>
+              <a:t>3/3/2020</a:t>
             </a:fld>
             <a:endParaRPr lang="en-US"/>
           </a:p>
@@ -2334,7 +2334,7 @@
           <a:p>
             <a:fld id="{11C4ABE2-2F1A-4C31-A43A-C3E7CE49CE95}" type="datetimeFigureOut">
               <a:rPr lang="en-US" smtClean="0"/>
-              <a:t>2/29/2020</a:t>
+              <a:t>3/3/2020</a:t>
             </a:fld>
             <a:endParaRPr lang="en-US"/>
           </a:p>
@@ -2447,7 +2447,7 @@
           <a:p>
             <a:fld id="{11C4ABE2-2F1A-4C31-A43A-C3E7CE49CE95}" type="datetimeFigureOut">
               <a:rPr lang="en-US" smtClean="0"/>
-              <a:t>2/29/2020</a:t>
+              <a:t>3/3/2020</a:t>
             </a:fld>
             <a:endParaRPr lang="en-US"/>
           </a:p>
@@ -2758,7 +2758,7 @@
           <a:p>
             <a:fld id="{11C4ABE2-2F1A-4C31-A43A-C3E7CE49CE95}" type="datetimeFigureOut">
               <a:rPr lang="en-US" smtClean="0"/>
-              <a:t>2/29/2020</a:t>
+              <a:t>3/3/2020</a:t>
             </a:fld>
             <a:endParaRPr lang="en-US"/>
           </a:p>
@@ -3046,7 +3046,7 @@
           <a:p>
             <a:fld id="{11C4ABE2-2F1A-4C31-A43A-C3E7CE49CE95}" type="datetimeFigureOut">
               <a:rPr lang="en-US" smtClean="0"/>
-              <a:t>2/29/2020</a:t>
+              <a:t>3/3/2020</a:t>
             </a:fld>
             <a:endParaRPr lang="en-US"/>
           </a:p>
@@ -3287,7 +3287,7 @@
           <a:p>
             <a:fld id="{11C4ABE2-2F1A-4C31-A43A-C3E7CE49CE95}" type="datetimeFigureOut">
               <a:rPr lang="en-US" smtClean="0"/>
-              <a:t>2/29/2020</a:t>
+              <a:t>3/3/2020</a:t>
             </a:fld>
             <a:endParaRPr lang="en-US"/>
           </a:p>
@@ -7696,7 +7696,7 @@
         </p:nvCxnSpPr>
         <p:spPr>
           <a:xfrm>
-            <a:off x="988090" y="4420366"/>
+            <a:off x="988090" y="4541398"/>
             <a:ext cx="8303458" cy="0"/>
           </a:xfrm>
           <a:prstGeom prst="line">
@@ -7737,7 +7737,7 @@
         </p:nvSpPr>
         <p:spPr>
           <a:xfrm>
-            <a:off x="3984172" y="6261368"/>
+            <a:off x="3984172" y="2341566"/>
             <a:ext cx="2508068" cy="523220"/>
           </a:xfrm>
           <a:prstGeom prst="rect">
@@ -7786,7 +7786,7 @@
             </p:nvSpPr>
             <p:spPr>
               <a:xfrm>
-                <a:off x="6072120" y="2888613"/>
+                <a:off x="6072120" y="3009645"/>
                 <a:ext cx="5420639" cy="1200329"/>
               </a:xfrm>
               <a:prstGeom prst="rect">
@@ -7990,7 +7990,7 @@
                     <m:sSubSup>
                       <m:sSubSupPr>
                         <m:ctrlPr>
-                          <a:rPr lang="en-US" b="0" i="0" smtClean="0">
+                          <a:rPr lang="en-US" b="0" i="1" smtClean="0">
                             <a:latin typeface="Cambria Math" panose="02040503050406030204" pitchFamily="18" charset="0"/>
                           </a:rPr>
                         </m:ctrlPr>
@@ -8047,7 +8047,7 @@
             </p:nvSpPr>
             <p:spPr>
               <a:xfrm>
-                <a:off x="6072120" y="2888613"/>
+                <a:off x="6072120" y="3009645"/>
                 <a:ext cx="5420639" cy="1200329"/>
               </a:xfrm>
               <a:prstGeom prst="rect">
@@ -8089,7 +8089,7 @@
         </p:nvSpPr>
         <p:spPr>
           <a:xfrm>
-            <a:off x="5947294" y="2365393"/>
+            <a:off x="5947294" y="2553655"/>
             <a:ext cx="2976717" cy="523220"/>
           </a:xfrm>
           <a:prstGeom prst="rect">
@@ -8137,7 +8137,7 @@
         </p:nvSpPr>
         <p:spPr>
           <a:xfrm>
-            <a:off x="5947294" y="4541589"/>
+            <a:off x="5947294" y="4729851"/>
             <a:ext cx="2976717" cy="523220"/>
           </a:xfrm>
           <a:prstGeom prst="rect">
@@ -8185,7 +8185,7 @@
         </p:nvSpPr>
         <p:spPr>
           <a:xfrm>
-            <a:off x="1553082" y="2381362"/>
+            <a:off x="1553082" y="2569624"/>
             <a:ext cx="2976717" cy="523220"/>
           </a:xfrm>
           <a:prstGeom prst="rect">
@@ -8233,7 +8233,7 @@
         </p:nvSpPr>
         <p:spPr>
           <a:xfrm>
-            <a:off x="1553082" y="4541589"/>
+            <a:off x="1553082" y="4729851"/>
             <a:ext cx="2976717" cy="523220"/>
           </a:xfrm>
           <a:prstGeom prst="rect">
@@ -8283,7 +8283,7 @@
             </p:nvSpPr>
             <p:spPr>
               <a:xfrm>
-                <a:off x="6091900" y="5009750"/>
+                <a:off x="6091900" y="5130782"/>
                 <a:ext cx="5420639" cy="1200329"/>
               </a:xfrm>
               <a:prstGeom prst="rect">
@@ -8443,7 +8443,7 @@
                     <m:sSubSup>
                       <m:sSubSupPr>
                         <m:ctrlPr>
-                          <a:rPr lang="en-US" b="0" i="0" smtClean="0">
+                          <a:rPr lang="en-US" b="0" i="1" smtClean="0">
                             <a:latin typeface="Cambria Math" panose="02040503050406030204" pitchFamily="18" charset="0"/>
                           </a:rPr>
                         </m:ctrlPr>
@@ -8544,7 +8544,7 @@
             </p:nvSpPr>
             <p:spPr>
               <a:xfrm>
-                <a:off x="6091900" y="5009750"/>
+                <a:off x="6091900" y="5130782"/>
                 <a:ext cx="5420639" cy="1200329"/>
               </a:xfrm>
               <a:prstGeom prst="rect">
@@ -8588,7 +8588,7 @@
             </p:nvSpPr>
             <p:spPr>
               <a:xfrm>
-                <a:off x="1641490" y="5004118"/>
+                <a:off x="1641490" y="5125150"/>
                 <a:ext cx="5420639" cy="1200329"/>
               </a:xfrm>
               <a:prstGeom prst="rect">
@@ -8702,7 +8702,7 @@
                     <m:sSubSup>
                       <m:sSubSupPr>
                         <m:ctrlPr>
-                          <a:rPr lang="en-US" b="0" i="0" smtClean="0">
+                          <a:rPr lang="en-US" b="0" i="1" smtClean="0">
                             <a:latin typeface="Cambria Math" panose="02040503050406030204" pitchFamily="18" charset="0"/>
                           </a:rPr>
                         </m:ctrlPr>
@@ -8847,7 +8847,7 @@
             </p:nvSpPr>
             <p:spPr>
               <a:xfrm>
-                <a:off x="1641490" y="5004118"/>
+                <a:off x="1641490" y="5125150"/>
                 <a:ext cx="5420639" cy="1200329"/>
               </a:xfrm>
               <a:prstGeom prst="rect">
@@ -8891,7 +8891,7 @@
             </p:nvSpPr>
             <p:spPr>
               <a:xfrm>
-                <a:off x="1641490" y="2888170"/>
+                <a:off x="1641490" y="3009202"/>
                 <a:ext cx="5420639" cy="1200329"/>
               </a:xfrm>
               <a:prstGeom prst="rect">
@@ -9152,7 +9152,7 @@
             </p:nvSpPr>
             <p:spPr>
               <a:xfrm>
-                <a:off x="1641490" y="2888170"/>
+                <a:off x="1641490" y="3009202"/>
                 <a:ext cx="5420639" cy="1200329"/>
               </a:xfrm>
               <a:prstGeom prst="rect">
@@ -13121,50 +13121,8 @@
           </a:prstGeom>
         </p:spPr>
       </p:pic>
-      <p:pic>
-        <p:nvPicPr>
-          <p:cNvPr id="3" name="Picture 2">
-            <a:extLst>
-              <a:ext uri="{FF2B5EF4-FFF2-40B4-BE49-F238E27FC236}">
-                <a16:creationId xmlns:a16="http://schemas.microsoft.com/office/drawing/2014/main" id="{9A376AAB-A2B2-499C-AA84-EB0941E87E99}"/>
-              </a:ext>
-            </a:extLst>
-          </p:cNvPr>
-          <p:cNvPicPr>
-            <a:picLocks noChangeAspect="1"/>
-          </p:cNvPicPr>
-          <p:nvPr/>
-        </p:nvPicPr>
-        <p:blipFill>
-          <a:blip r:embed="rId6"/>
-          <a:stretch>
-            <a:fillRect/>
-          </a:stretch>
-        </p:blipFill>
-        <p:spPr>
-          <a:xfrm>
-            <a:off x="2404347" y="2398052"/>
-            <a:ext cx="4887438" cy="2550474"/>
-          </a:xfrm>
-          <a:prstGeom prst="rect">
-            <a:avLst/>
-          </a:prstGeom>
-          <a:ln w="38100">
-            <a:solidFill>
-              <a:srgbClr val="11B29F"/>
-            </a:solidFill>
-          </a:ln>
-          <a:effectLst>
-            <a:outerShdw blurRad="292100" dist="139700" dir="2700000" algn="tl" rotWithShape="0">
-              <a:srgbClr val="333333">
-                <a:alpha val="65000"/>
-              </a:srgbClr>
-            </a:outerShdw>
-          </a:effectLst>
-        </p:spPr>
-      </p:pic>
-      <mc:AlternateContent xmlns:mc="http://schemas.openxmlformats.org/markup-compatibility/2006">
-        <mc:Choice xmlns:a14="http://schemas.microsoft.com/office/drawing/2010/main" Requires="a14">
+      <mc:AlternateContent xmlns:mc="http://schemas.openxmlformats.org/markup-compatibility/2006" xmlns:a14="http://schemas.microsoft.com/office/drawing/2010/main">
+        <mc:Choice Requires="a14">
           <p:graphicFrame>
             <p:nvGraphicFramePr>
               <p:cNvPr id="4" name="Table 5">
@@ -13315,6 +13273,7 @@
                         <a:bodyPr/>
                         <a:lstStyle/>
                         <a:p>
+                          <a:pPr/>
                           <a14:m>
                             <m:oMathPara xmlns:m="http://schemas.openxmlformats.org/officeDocument/2006/math">
                               <m:oMathParaPr>
@@ -13348,6 +13307,7 @@
                         <a:bodyPr/>
                         <a:lstStyle/>
                         <a:p>
+                          <a:pPr/>
                           <a14:m>
                             <m:oMathPara xmlns:m="http://schemas.openxmlformats.org/officeDocument/2006/math">
                               <m:oMathParaPr>
@@ -13381,6 +13341,7 @@
                         <a:bodyPr/>
                         <a:lstStyle/>
                         <a:p>
+                          <a:pPr/>
                           <a14:m>
                             <m:oMathPara xmlns:m="http://schemas.openxmlformats.org/officeDocument/2006/math">
                               <m:oMathParaPr>
@@ -13441,6 +13402,7 @@
                         <a:bodyPr/>
                         <a:lstStyle/>
                         <a:p>
+                          <a:pPr/>
                           <a14:m>
                             <m:oMathPara xmlns:m="http://schemas.openxmlformats.org/officeDocument/2006/math">
                               <m:oMathParaPr>
@@ -13501,6 +13463,7 @@
                         <a:bodyPr/>
                         <a:lstStyle/>
                         <a:p>
+                          <a:pPr/>
                           <a14:m>
                             <m:oMathPara xmlns:m="http://schemas.openxmlformats.org/officeDocument/2006/math">
                               <m:oMathParaPr>
@@ -13561,6 +13524,7 @@
                         <a:bodyPr/>
                         <a:lstStyle/>
                         <a:p>
+                          <a:pPr/>
                           <a14:m>
                             <m:oMathPara xmlns:m="http://schemas.openxmlformats.org/officeDocument/2006/math">
                               <m:oMathParaPr>
@@ -13621,6 +13585,7 @@
                         <a:bodyPr/>
                         <a:lstStyle/>
                         <a:p>
+                          <a:pPr/>
                           <a14:m>
                             <m:oMathPara xmlns:m="http://schemas.openxmlformats.org/officeDocument/2006/math">
                               <m:oMathParaPr>
@@ -13681,6 +13646,7 @@
                         <a:bodyPr/>
                         <a:lstStyle/>
                         <a:p>
+                          <a:pPr/>
                           <a14:m>
                             <m:oMathPara xmlns:m="http://schemas.openxmlformats.org/officeDocument/2006/math">
                               <m:oMathParaPr>
@@ -15001,7 +14967,7 @@
             </a:graphic>
           </p:graphicFrame>
         </mc:Choice>
-        <mc:Fallback>
+        <mc:Fallback xmlns="">
           <p:graphicFrame>
             <p:nvGraphicFramePr>
               <p:cNvPr id="4" name="Table 5">
@@ -16373,6 +16339,48 @@
           </p:graphicFrame>
         </mc:Fallback>
       </mc:AlternateContent>
+      <p:pic>
+        <p:nvPicPr>
+          <p:cNvPr id="6" name="Picture 5">
+            <a:extLst>
+              <a:ext uri="{FF2B5EF4-FFF2-40B4-BE49-F238E27FC236}">
+                <a16:creationId xmlns:a16="http://schemas.microsoft.com/office/drawing/2014/main" id="{9B0444A9-6919-4AE5-A184-4CED29F5C9B9}"/>
+              </a:ext>
+            </a:extLst>
+          </p:cNvPr>
+          <p:cNvPicPr>
+            <a:picLocks noChangeAspect="1"/>
+          </p:cNvPicPr>
+          <p:nvPr/>
+        </p:nvPicPr>
+        <p:blipFill>
+          <a:blip r:embed="rId8"/>
+          <a:stretch>
+            <a:fillRect/>
+          </a:stretch>
+        </p:blipFill>
+        <p:spPr>
+          <a:xfrm>
+            <a:off x="2716673" y="2415136"/>
+            <a:ext cx="4973686" cy="2548627"/>
+          </a:xfrm>
+          <a:prstGeom prst="rect">
+            <a:avLst/>
+          </a:prstGeom>
+          <a:ln w="38100">
+            <a:solidFill>
+              <a:srgbClr val="11B29F"/>
+            </a:solidFill>
+          </a:ln>
+          <a:effectLst>
+            <a:outerShdw blurRad="292100" dist="139700" dir="2700000" algn="tl" rotWithShape="0">
+              <a:srgbClr val="333333">
+                <a:alpha val="65000"/>
+              </a:srgbClr>
+            </a:outerShdw>
+          </a:effectLst>
+        </p:spPr>
+      </p:pic>
     </p:spTree>
     <p:extLst>
       <p:ext uri="{BB962C8B-B14F-4D97-AF65-F5344CB8AC3E}">
@@ -19026,8 +19034,8 @@
           </a:p>
         </p:txBody>
       </p:sp>
-      <mc:AlternateContent xmlns:mc="http://schemas.openxmlformats.org/markup-compatibility/2006">
-        <mc:Choice xmlns:a14="http://schemas.microsoft.com/office/drawing/2010/main" Requires="a14">
+      <mc:AlternateContent xmlns:mc="http://schemas.openxmlformats.org/markup-compatibility/2006" xmlns:a14="http://schemas.microsoft.com/office/drawing/2010/main">
+        <mc:Choice Requires="a14">
           <p:sp>
             <p:nvSpPr>
               <p:cNvPr id="36" name="TextBox 35">
@@ -19435,7 +19443,7 @@
             </p:txBody>
           </p:sp>
         </mc:Choice>
-        <mc:Fallback>
+        <mc:Fallback xmlns="">
           <p:sp>
             <p:nvSpPr>
               <p:cNvPr id="36" name="TextBox 35">
@@ -20367,8 +20375,8 @@
           </a:p>
         </p:txBody>
       </p:sp>
-      <mc:AlternateContent xmlns:mc="http://schemas.openxmlformats.org/markup-compatibility/2006">
-        <mc:Choice xmlns:a14="http://schemas.microsoft.com/office/drawing/2010/main" Requires="a14">
+      <mc:AlternateContent xmlns:mc="http://schemas.openxmlformats.org/markup-compatibility/2006" xmlns:a14="http://schemas.microsoft.com/office/drawing/2010/main">
+        <mc:Choice Requires="a14">
           <p:sp>
             <p:nvSpPr>
               <p:cNvPr id="36" name="TextBox 35">
@@ -20560,7 +20568,7 @@
             </p:txBody>
           </p:sp>
         </mc:Choice>
-        <mc:Fallback>
+        <mc:Fallback xmlns="">
           <p:sp>
             <p:nvSpPr>
               <p:cNvPr id="36" name="TextBox 35">
@@ -20722,8 +20730,8 @@
           </a:prstGeom>
         </p:spPr>
       </p:pic>
-      <mc:AlternateContent xmlns:mc="http://schemas.openxmlformats.org/markup-compatibility/2006">
-        <mc:Choice xmlns:a14="http://schemas.microsoft.com/office/drawing/2010/main" Requires="a14">
+      <mc:AlternateContent xmlns:mc="http://schemas.openxmlformats.org/markup-compatibility/2006" xmlns:a14="http://schemas.microsoft.com/office/drawing/2010/main">
+        <mc:Choice Requires="a14">
           <p:sp>
             <p:nvSpPr>
               <p:cNvPr id="3" name="TextBox 2">
@@ -20752,6 +20760,7 @@
               </a:bodyPr>
               <a:lstStyle/>
               <a:p>
+                <a:pPr/>
                 <a14:m>
                   <m:oMathPara xmlns:m="http://schemas.openxmlformats.org/officeDocument/2006/math">
                     <m:oMathParaPr>
@@ -20790,7 +20799,7 @@
             </p:txBody>
           </p:sp>
         </mc:Choice>
-        <mc:Fallback>
+        <mc:Fallback xmlns="">
           <p:sp>
             <p:nvSpPr>
               <p:cNvPr id="3" name="TextBox 2">
@@ -20835,8 +20844,8 @@
           </p:sp>
         </mc:Fallback>
       </mc:AlternateContent>
-      <mc:AlternateContent xmlns:mc="http://schemas.openxmlformats.org/markup-compatibility/2006">
-        <mc:Choice xmlns:a14="http://schemas.microsoft.com/office/drawing/2010/main" Requires="a14">
+      <mc:AlternateContent xmlns:mc="http://schemas.openxmlformats.org/markup-compatibility/2006" xmlns:a14="http://schemas.microsoft.com/office/drawing/2010/main">
+        <mc:Choice Requires="a14">
           <p:sp>
             <p:nvSpPr>
               <p:cNvPr id="23" name="TextBox 22">
@@ -20865,6 +20874,7 @@
               </a:bodyPr>
               <a:lstStyle/>
               <a:p>
+                <a:pPr/>
                 <a14:m>
                   <m:oMathPara xmlns:m="http://schemas.openxmlformats.org/officeDocument/2006/math">
                     <m:oMathParaPr>
@@ -20909,7 +20919,7 @@
             </p:txBody>
           </p:sp>
         </mc:Choice>
-        <mc:Fallback>
+        <mc:Fallback xmlns="">
           <p:sp>
             <p:nvSpPr>
               <p:cNvPr id="23" name="TextBox 22">
@@ -20954,8 +20964,8 @@
           </p:sp>
         </mc:Fallback>
       </mc:AlternateContent>
-      <mc:AlternateContent xmlns:mc="http://schemas.openxmlformats.org/markup-compatibility/2006">
-        <mc:Choice xmlns:a14="http://schemas.microsoft.com/office/drawing/2010/main" Requires="a14">
+      <mc:AlternateContent xmlns:mc="http://schemas.openxmlformats.org/markup-compatibility/2006" xmlns:a14="http://schemas.microsoft.com/office/drawing/2010/main">
+        <mc:Choice Requires="a14">
           <p:sp>
             <p:nvSpPr>
               <p:cNvPr id="29" name="TextBox 28">
@@ -21152,7 +21162,7 @@
             </p:txBody>
           </p:sp>
         </mc:Choice>
-        <mc:Fallback>
+        <mc:Fallback xmlns="">
           <p:sp>
             <p:nvSpPr>
               <p:cNvPr id="29" name="TextBox 28">
@@ -21967,8 +21977,8 @@
           </a:p>
         </p:txBody>
       </p:sp>
-      <mc:AlternateContent xmlns:mc="http://schemas.openxmlformats.org/markup-compatibility/2006">
-        <mc:Choice xmlns:a14="http://schemas.microsoft.com/office/drawing/2010/main" Requires="a14">
+      <mc:AlternateContent xmlns:mc="http://schemas.openxmlformats.org/markup-compatibility/2006" xmlns:a14="http://schemas.microsoft.com/office/drawing/2010/main">
+        <mc:Choice Requires="a14">
           <p:sp>
             <p:nvSpPr>
               <p:cNvPr id="36" name="TextBox 35">
@@ -22160,7 +22170,7 @@
             </p:txBody>
           </p:sp>
         </mc:Choice>
-        <mc:Fallback>
+        <mc:Fallback xmlns="">
           <p:sp>
             <p:nvSpPr>
               <p:cNvPr id="36" name="TextBox 35">
@@ -22322,8 +22332,8 @@
           </a:prstGeom>
         </p:spPr>
       </p:pic>
-      <mc:AlternateContent xmlns:mc="http://schemas.openxmlformats.org/markup-compatibility/2006">
-        <mc:Choice xmlns:a14="http://schemas.microsoft.com/office/drawing/2010/main" Requires="a14">
+      <mc:AlternateContent xmlns:mc="http://schemas.openxmlformats.org/markup-compatibility/2006" xmlns:a14="http://schemas.microsoft.com/office/drawing/2010/main">
+        <mc:Choice Requires="a14">
           <p:sp>
             <p:nvSpPr>
               <p:cNvPr id="3" name="TextBox 2">
@@ -22352,6 +22362,7 @@
               </a:bodyPr>
               <a:lstStyle/>
               <a:p>
+                <a:pPr/>
                 <a14:m>
                   <m:oMathPara xmlns:m="http://schemas.openxmlformats.org/officeDocument/2006/math">
                     <m:oMathParaPr>
@@ -22396,7 +22407,7 @@
             </p:txBody>
           </p:sp>
         </mc:Choice>
-        <mc:Fallback>
+        <mc:Fallback xmlns="">
           <p:sp>
             <p:nvSpPr>
               <p:cNvPr id="3" name="TextBox 2">
@@ -22441,8 +22452,8 @@
           </p:sp>
         </mc:Fallback>
       </mc:AlternateContent>
-      <mc:AlternateContent xmlns:mc="http://schemas.openxmlformats.org/markup-compatibility/2006">
-        <mc:Choice xmlns:a14="http://schemas.microsoft.com/office/drawing/2010/main" Requires="a14">
+      <mc:AlternateContent xmlns:mc="http://schemas.openxmlformats.org/markup-compatibility/2006" xmlns:a14="http://schemas.microsoft.com/office/drawing/2010/main">
+        <mc:Choice Requires="a14">
           <p:sp>
             <p:nvSpPr>
               <p:cNvPr id="23" name="TextBox 22">
@@ -22516,7 +22527,7 @@
             </p:txBody>
           </p:sp>
         </mc:Choice>
-        <mc:Fallback>
+        <mc:Fallback xmlns="">
           <p:sp>
             <p:nvSpPr>
               <p:cNvPr id="23" name="TextBox 22">
@@ -22561,8 +22572,8 @@
           </p:sp>
         </mc:Fallback>
       </mc:AlternateContent>
-      <mc:AlternateContent xmlns:mc="http://schemas.openxmlformats.org/markup-compatibility/2006">
-        <mc:Choice xmlns:a14="http://schemas.microsoft.com/office/drawing/2010/main" Requires="a14">
+      <mc:AlternateContent xmlns:mc="http://schemas.openxmlformats.org/markup-compatibility/2006" xmlns:a14="http://schemas.microsoft.com/office/drawing/2010/main">
+        <mc:Choice Requires="a14">
           <p:sp>
             <p:nvSpPr>
               <p:cNvPr id="29" name="TextBox 28">
@@ -22768,7 +22779,7 @@
             </p:txBody>
           </p:sp>
         </mc:Choice>
-        <mc:Fallback>
+        <mc:Fallback xmlns="">
           <p:sp>
             <p:nvSpPr>
               <p:cNvPr id="29" name="TextBox 28">
@@ -23870,8 +23881,8 @@
           </a:prstGeom>
         </p:spPr>
       </p:pic>
-      <mc:AlternateContent xmlns:mc="http://schemas.openxmlformats.org/markup-compatibility/2006">
-        <mc:Choice xmlns:a14="http://schemas.microsoft.com/office/drawing/2010/main" Requires="a14">
+      <mc:AlternateContent xmlns:mc="http://schemas.openxmlformats.org/markup-compatibility/2006" xmlns:a14="http://schemas.microsoft.com/office/drawing/2010/main">
+        <mc:Choice Requires="a14">
           <p:sp>
             <p:nvSpPr>
               <p:cNvPr id="3" name="TextBox 2">
@@ -23900,6 +23911,7 @@
               </a:bodyPr>
               <a:lstStyle/>
               <a:p>
+                <a:pPr/>
                 <a14:m>
                   <m:oMathPara xmlns:m="http://schemas.openxmlformats.org/officeDocument/2006/math">
                     <m:oMathParaPr>
@@ -23924,6 +23936,7 @@
                 <a:endParaRPr lang="en-US" b="0" dirty="0"/>
               </a:p>
               <a:p>
+                <a:pPr/>
                 <a14:m>
                   <m:oMathPara xmlns:m="http://schemas.openxmlformats.org/officeDocument/2006/math">
                     <m:oMathParaPr>
@@ -23968,7 +23981,7 @@
             </p:txBody>
           </p:sp>
         </mc:Choice>
-        <mc:Fallback>
+        <mc:Fallback xmlns="">
           <p:sp>
             <p:nvSpPr>
               <p:cNvPr id="3" name="TextBox 2">
@@ -24013,8 +24026,8 @@
           </p:sp>
         </mc:Fallback>
       </mc:AlternateContent>
-      <mc:AlternateContent xmlns:mc="http://schemas.openxmlformats.org/markup-compatibility/2006">
-        <mc:Choice xmlns:a14="http://schemas.microsoft.com/office/drawing/2010/main" Requires="a14">
+      <mc:AlternateContent xmlns:mc="http://schemas.openxmlformats.org/markup-compatibility/2006" xmlns:a14="http://schemas.microsoft.com/office/drawing/2010/main">
+        <mc:Choice Requires="a14">
           <p:sp>
             <p:nvSpPr>
               <p:cNvPr id="23" name="TextBox 22">
@@ -24242,7 +24255,7 @@
             </p:txBody>
           </p:sp>
         </mc:Choice>
-        <mc:Fallback>
+        <mc:Fallback xmlns="">
           <p:sp>
             <p:nvSpPr>
               <p:cNvPr id="23" name="TextBox 22">
@@ -24287,8 +24300,8 @@
           </p:sp>
         </mc:Fallback>
       </mc:AlternateContent>
-      <mc:AlternateContent xmlns:mc="http://schemas.openxmlformats.org/markup-compatibility/2006">
-        <mc:Choice xmlns:a14="http://schemas.microsoft.com/office/drawing/2010/main" Requires="a14">
+      <mc:AlternateContent xmlns:mc="http://schemas.openxmlformats.org/markup-compatibility/2006" xmlns:a14="http://schemas.microsoft.com/office/drawing/2010/main">
+        <mc:Choice Requires="a14">
           <p:sp>
             <p:nvSpPr>
               <p:cNvPr id="29" name="TextBox 28">
@@ -24636,7 +24649,7 @@
             </p:txBody>
           </p:sp>
         </mc:Choice>
-        <mc:Fallback>
+        <mc:Fallback xmlns="">
           <p:sp>
             <p:nvSpPr>
               <p:cNvPr id="29" name="TextBox 28">
@@ -25801,8 +25814,8 @@
           </a:prstGeom>
         </p:spPr>
       </p:pic>
-      <mc:AlternateContent xmlns:mc="http://schemas.openxmlformats.org/markup-compatibility/2006">
-        <mc:Choice xmlns:a14="http://schemas.microsoft.com/office/drawing/2010/main" Requires="a14">
+      <mc:AlternateContent xmlns:mc="http://schemas.openxmlformats.org/markup-compatibility/2006" xmlns:a14="http://schemas.microsoft.com/office/drawing/2010/main">
+        <mc:Choice Requires="a14">
           <p:sp>
             <p:nvSpPr>
               <p:cNvPr id="3" name="TextBox 2">
@@ -25831,6 +25844,7 @@
               </a:bodyPr>
               <a:lstStyle/>
               <a:p>
+                <a:pPr/>
                 <a14:m>
                   <m:oMathPara xmlns:m="http://schemas.openxmlformats.org/officeDocument/2006/math">
                     <m:oMathParaPr>
@@ -25875,7 +25889,7 @@
             </p:txBody>
           </p:sp>
         </mc:Choice>
-        <mc:Fallback>
+        <mc:Fallback xmlns="">
           <p:sp>
             <p:nvSpPr>
               <p:cNvPr id="3" name="TextBox 2">
@@ -25920,8 +25934,8 @@
           </p:sp>
         </mc:Fallback>
       </mc:AlternateContent>
-      <mc:AlternateContent xmlns:mc="http://schemas.openxmlformats.org/markup-compatibility/2006">
-        <mc:Choice xmlns:a14="http://schemas.microsoft.com/office/drawing/2010/main" Requires="a14">
+      <mc:AlternateContent xmlns:mc="http://schemas.openxmlformats.org/markup-compatibility/2006" xmlns:a14="http://schemas.microsoft.com/office/drawing/2010/main">
+        <mc:Choice Requires="a14">
           <p:sp>
             <p:nvSpPr>
               <p:cNvPr id="30" name="TextBox 29">
@@ -26118,7 +26132,7 @@
             </p:txBody>
           </p:sp>
         </mc:Choice>
-        <mc:Fallback>
+        <mc:Fallback xmlns="">
           <p:sp>
             <p:nvSpPr>
               <p:cNvPr id="30" name="TextBox 29">
@@ -27203,7 +27217,7 @@
         </p:nvSpPr>
         <p:spPr>
           <a:xfrm>
-            <a:off x="3984172" y="6232235"/>
+            <a:off x="3984172" y="2487230"/>
             <a:ext cx="2508068" cy="523220"/>
           </a:xfrm>
           <a:prstGeom prst="rect">
@@ -28254,8 +28268,8 @@
           </a:p>
         </p:txBody>
       </p:sp>
-      <mc:AlternateContent xmlns:mc="http://schemas.openxmlformats.org/markup-compatibility/2006">
-        <mc:Choice xmlns:a14="http://schemas.microsoft.com/office/drawing/2010/main" Requires="a14">
+      <mc:AlternateContent xmlns:mc="http://schemas.openxmlformats.org/markup-compatibility/2006" xmlns:a14="http://schemas.microsoft.com/office/drawing/2010/main">
+        <mc:Choice Requires="a14">
           <p:sp>
             <p:nvSpPr>
               <p:cNvPr id="36" name="TextBox 35">
@@ -28725,7 +28739,7 @@
             </p:txBody>
           </p:sp>
         </mc:Choice>
-        <mc:Fallback>
+        <mc:Fallback xmlns="">
           <p:sp>
             <p:nvSpPr>
               <p:cNvPr id="36" name="TextBox 35">
@@ -28887,8 +28901,8 @@
           </a:prstGeom>
         </p:spPr>
       </p:pic>
-      <mc:AlternateContent xmlns:mc="http://schemas.openxmlformats.org/markup-compatibility/2006">
-        <mc:Choice xmlns:a14="http://schemas.microsoft.com/office/drawing/2010/main" Requires="a14">
+      <mc:AlternateContent xmlns:mc="http://schemas.openxmlformats.org/markup-compatibility/2006" xmlns:a14="http://schemas.microsoft.com/office/drawing/2010/main">
+        <mc:Choice Requires="a14">
           <p:sp>
             <p:nvSpPr>
               <p:cNvPr id="3" name="TextBox 2">
@@ -28917,6 +28931,7 @@
               </a:bodyPr>
               <a:lstStyle/>
               <a:p>
+                <a:pPr/>
                 <a14:m>
                   <m:oMathPara xmlns:m="http://schemas.openxmlformats.org/officeDocument/2006/math">
                     <m:oMathParaPr>
@@ -29037,6 +29052,7 @@
                 <a:endParaRPr lang="en-US" dirty="0"/>
               </a:p>
               <a:p>
+                <a:pPr/>
                 <a14:m>
                   <m:oMathPara xmlns:m="http://schemas.openxmlformats.org/officeDocument/2006/math">
                     <m:oMathParaPr>
@@ -29149,13 +29165,7 @@
                         <a:rPr lang="en-US" i="1">
                           <a:latin typeface="Cambria Math" panose="02040503050406030204" pitchFamily="18" charset="0"/>
                         </a:rPr>
-                        <m:t>=</m:t>
-                      </m:r>
-                      <m:r>
-                        <a:rPr lang="en-US" i="1">
-                          <a:latin typeface="Cambria Math" panose="02040503050406030204" pitchFamily="18" charset="0"/>
-                        </a:rPr>
-                        <m:t>300</m:t>
+                        <m:t>=300</m:t>
                       </m:r>
                     </m:oMath>
                   </m:oMathPara>
@@ -29258,13 +29268,7 @@
                         <a:rPr lang="en-US" i="1">
                           <a:latin typeface="Cambria Math" panose="02040503050406030204" pitchFamily="18" charset="0"/>
                         </a:rPr>
-                        <m:t>=5</m:t>
-                      </m:r>
-                      <m:r>
-                        <a:rPr lang="en-US" i="1">
-                          <a:latin typeface="Cambria Math" panose="02040503050406030204" pitchFamily="18" charset="0"/>
-                        </a:rPr>
-                        <m:t>00</m:t>
+                        <m:t>=500</m:t>
                       </m:r>
                     </m:oMath>
                   </m:oMathPara>
@@ -29274,6 +29278,7 @@
                 </a:endParaRPr>
               </a:p>
               <a:p>
+                <a:pPr/>
                 <a14:m>
                   <m:oMathPara xmlns:m="http://schemas.openxmlformats.org/officeDocument/2006/math">
                     <m:oMathParaPr>
@@ -29371,19 +29376,7 @@
                         <a:rPr lang="en-US" i="1">
                           <a:latin typeface="Cambria Math" panose="02040503050406030204" pitchFamily="18" charset="0"/>
                         </a:rPr>
-                        <m:t>=</m:t>
-                      </m:r>
-                      <m:r>
-                        <a:rPr lang="en-US" i="1">
-                          <a:latin typeface="Cambria Math" panose="02040503050406030204" pitchFamily="18" charset="0"/>
-                        </a:rPr>
-                        <m:t>4</m:t>
-                      </m:r>
-                      <m:r>
-                        <a:rPr lang="en-US" i="1">
-                          <a:latin typeface="Cambria Math" panose="02040503050406030204" pitchFamily="18" charset="0"/>
-                        </a:rPr>
-                        <m:t>00</m:t>
+                        <m:t>=400</m:t>
                       </m:r>
                     </m:oMath>
                   </m:oMathPara>
@@ -29391,6 +29384,7 @@
                 <a:endParaRPr lang="en-US" dirty="0"/>
               </a:p>
               <a:p>
+                <a:pPr/>
                 <a14:m>
                   <m:oMathPara xmlns:m="http://schemas.openxmlformats.org/officeDocument/2006/math">
                     <m:oMathParaPr>
@@ -29511,6 +29505,7 @@
                 <a:endParaRPr lang="en-US" dirty="0"/>
               </a:p>
               <a:p>
+                <a:pPr/>
                 <a14:m>
                   <m:oMathPara xmlns:m="http://schemas.openxmlformats.org/officeDocument/2006/math">
                     <m:oMathParaPr>
@@ -29630,7 +29625,7 @@
             </p:txBody>
           </p:sp>
         </mc:Choice>
-        <mc:Fallback>
+        <mc:Fallback xmlns="">
           <p:sp>
             <p:nvSpPr>
               <p:cNvPr id="3" name="TextBox 2">

--- a/Lectures/Lecture 18/Lecture 18.pptx
+++ b/Lectures/Lecture 18/Lecture 18.pptx
@@ -223,7 +223,7 @@
           <a:p>
             <a:fld id="{467FE51A-BC06-4E6F-B1DA-B477364E598F}" type="datetimeFigureOut">
               <a:rPr lang="en-US" smtClean="0"/>
-              <a:t>3/3/2020</a:t>
+              <a:t>3/14/2021</a:t>
             </a:fld>
             <a:endParaRPr lang="en-US"/>
           </a:p>
@@ -637,7 +637,7 @@
           <a:p>
             <a:fld id="{11C4ABE2-2F1A-4C31-A43A-C3E7CE49CE95}" type="datetimeFigureOut">
               <a:rPr lang="en-US" smtClean="0"/>
-              <a:t>3/3/2020</a:t>
+              <a:t>3/14/2021</a:t>
             </a:fld>
             <a:endParaRPr lang="en-US"/>
           </a:p>
@@ -835,7 +835,7 @@
           <a:p>
             <a:fld id="{11C4ABE2-2F1A-4C31-A43A-C3E7CE49CE95}" type="datetimeFigureOut">
               <a:rPr lang="en-US" smtClean="0"/>
-              <a:t>3/3/2020</a:t>
+              <a:t>3/14/2021</a:t>
             </a:fld>
             <a:endParaRPr lang="en-US"/>
           </a:p>
@@ -1043,7 +1043,7 @@
           <a:p>
             <a:fld id="{11C4ABE2-2F1A-4C31-A43A-C3E7CE49CE95}" type="datetimeFigureOut">
               <a:rPr lang="en-US" smtClean="0"/>
-              <a:t>3/3/2020</a:t>
+              <a:t>3/14/2021</a:t>
             </a:fld>
             <a:endParaRPr lang="en-US"/>
           </a:p>
@@ -1241,7 +1241,7 @@
           <a:p>
             <a:fld id="{11C4ABE2-2F1A-4C31-A43A-C3E7CE49CE95}" type="datetimeFigureOut">
               <a:rPr lang="en-US" smtClean="0"/>
-              <a:t>3/3/2020</a:t>
+              <a:t>3/14/2021</a:t>
             </a:fld>
             <a:endParaRPr lang="en-US"/>
           </a:p>
@@ -1516,7 +1516,7 @@
           <a:p>
             <a:fld id="{11C4ABE2-2F1A-4C31-A43A-C3E7CE49CE95}" type="datetimeFigureOut">
               <a:rPr lang="en-US" smtClean="0"/>
-              <a:t>3/3/2020</a:t>
+              <a:t>3/14/2021</a:t>
             </a:fld>
             <a:endParaRPr lang="en-US"/>
           </a:p>
@@ -1781,7 +1781,7 @@
           <a:p>
             <a:fld id="{11C4ABE2-2F1A-4C31-A43A-C3E7CE49CE95}" type="datetimeFigureOut">
               <a:rPr lang="en-US" smtClean="0"/>
-              <a:t>3/3/2020</a:t>
+              <a:t>3/14/2021</a:t>
             </a:fld>
             <a:endParaRPr lang="en-US"/>
           </a:p>
@@ -2193,7 +2193,7 @@
           <a:p>
             <a:fld id="{11C4ABE2-2F1A-4C31-A43A-C3E7CE49CE95}" type="datetimeFigureOut">
               <a:rPr lang="en-US" smtClean="0"/>
-              <a:t>3/3/2020</a:t>
+              <a:t>3/14/2021</a:t>
             </a:fld>
             <a:endParaRPr lang="en-US"/>
           </a:p>
@@ -2334,7 +2334,7 @@
           <a:p>
             <a:fld id="{11C4ABE2-2F1A-4C31-A43A-C3E7CE49CE95}" type="datetimeFigureOut">
               <a:rPr lang="en-US" smtClean="0"/>
-              <a:t>3/3/2020</a:t>
+              <a:t>3/14/2021</a:t>
             </a:fld>
             <a:endParaRPr lang="en-US"/>
           </a:p>
@@ -2447,7 +2447,7 @@
           <a:p>
             <a:fld id="{11C4ABE2-2F1A-4C31-A43A-C3E7CE49CE95}" type="datetimeFigureOut">
               <a:rPr lang="en-US" smtClean="0"/>
-              <a:t>3/3/2020</a:t>
+              <a:t>3/14/2021</a:t>
             </a:fld>
             <a:endParaRPr lang="en-US"/>
           </a:p>
@@ -2758,7 +2758,7 @@
           <a:p>
             <a:fld id="{11C4ABE2-2F1A-4C31-A43A-C3E7CE49CE95}" type="datetimeFigureOut">
               <a:rPr lang="en-US" smtClean="0"/>
-              <a:t>3/3/2020</a:t>
+              <a:t>3/14/2021</a:t>
             </a:fld>
             <a:endParaRPr lang="en-US"/>
           </a:p>
@@ -3046,7 +3046,7 @@
           <a:p>
             <a:fld id="{11C4ABE2-2F1A-4C31-A43A-C3E7CE49CE95}" type="datetimeFigureOut">
               <a:rPr lang="en-US" smtClean="0"/>
-              <a:t>3/3/2020</a:t>
+              <a:t>3/14/2021</a:t>
             </a:fld>
             <a:endParaRPr lang="en-US"/>
           </a:p>
@@ -3287,7 +3287,7 @@
           <a:p>
             <a:fld id="{11C4ABE2-2F1A-4C31-A43A-C3E7CE49CE95}" type="datetimeFigureOut">
               <a:rPr lang="en-US" smtClean="0"/>
-              <a:t>3/3/2020</a:t>
+              <a:t>3/14/2021</a:t>
             </a:fld>
             <a:endParaRPr lang="en-US"/>
           </a:p>
@@ -7723,55 +7723,8 @@
           </a:fontRef>
         </p:style>
       </p:cxnSp>
-      <p:sp>
-        <p:nvSpPr>
-          <p:cNvPr id="15" name="TextBox 14">
-            <a:extLst>
-              <a:ext uri="{FF2B5EF4-FFF2-40B4-BE49-F238E27FC236}">
-                <a16:creationId xmlns:a16="http://schemas.microsoft.com/office/drawing/2014/main" id="{BE6339E6-E592-419C-AFCD-1B3E9C782B48}"/>
-              </a:ext>
-            </a:extLst>
-          </p:cNvPr>
-          <p:cNvSpPr txBox="1"/>
-          <p:nvPr/>
-        </p:nvSpPr>
-        <p:spPr>
-          <a:xfrm>
-            <a:off x="3984172" y="2341566"/>
-            <a:ext cx="2508068" cy="523220"/>
-          </a:xfrm>
-          <a:prstGeom prst="rect">
-            <a:avLst/>
-          </a:prstGeom>
-          <a:solidFill>
-            <a:srgbClr val="11B29F"/>
-          </a:solidFill>
-          <a:ln w="57150">
-            <a:solidFill>
-              <a:srgbClr val="A71B86"/>
-            </a:solidFill>
-          </a:ln>
-        </p:spPr>
-        <p:txBody>
-          <a:bodyPr wrap="square" rtlCol="0">
-            <a:spAutoFit/>
-          </a:bodyPr>
-          <a:lstStyle/>
-          <a:p>
-            <a:pPr algn="ctr"/>
-            <a:r>
-              <a:rPr lang="en-US" sz="2800" dirty="0">
-                <a:solidFill>
-                  <a:schemeClr val="bg1"/>
-                </a:solidFill>
-              </a:rPr>
-              <a:t>Center Stage</a:t>
-            </a:r>
-          </a:p>
-        </p:txBody>
-      </p:sp>
-      <mc:AlternateContent xmlns:mc="http://schemas.openxmlformats.org/markup-compatibility/2006">
-        <mc:Choice xmlns:a14="http://schemas.microsoft.com/office/drawing/2010/main" Requires="a14">
+      <mc:AlternateContent xmlns:mc="http://schemas.openxmlformats.org/markup-compatibility/2006" xmlns:a14="http://schemas.microsoft.com/office/drawing/2010/main">
+        <mc:Choice Requires="a14">
           <p:sp>
             <p:nvSpPr>
               <p:cNvPr id="30" name="TextBox 29">
@@ -8030,7 +7983,7 @@
             </p:txBody>
           </p:sp>
         </mc:Choice>
-        <mc:Fallback>
+        <mc:Fallback xmlns="">
           <p:sp>
             <p:nvSpPr>
               <p:cNvPr id="30" name="TextBox 29">
@@ -8267,8 +8220,8 @@
           </a:p>
         </p:txBody>
       </p:sp>
-      <mc:AlternateContent xmlns:mc="http://schemas.openxmlformats.org/markup-compatibility/2006">
-        <mc:Choice xmlns:a14="http://schemas.microsoft.com/office/drawing/2010/main" Requires="a14">
+      <mc:AlternateContent xmlns:mc="http://schemas.openxmlformats.org/markup-compatibility/2006" xmlns:a14="http://schemas.microsoft.com/office/drawing/2010/main">
+        <mc:Choice Requires="a14">
           <p:sp>
             <p:nvSpPr>
               <p:cNvPr id="51" name="TextBox 50">
@@ -8527,7 +8480,7 @@
             </p:txBody>
           </p:sp>
         </mc:Choice>
-        <mc:Fallback>
+        <mc:Fallback xmlns="">
           <p:sp>
             <p:nvSpPr>
               <p:cNvPr id="51" name="TextBox 50">
@@ -8572,8 +8525,8 @@
           </p:sp>
         </mc:Fallback>
       </mc:AlternateContent>
-      <mc:AlternateContent xmlns:mc="http://schemas.openxmlformats.org/markup-compatibility/2006">
-        <mc:Choice xmlns:a14="http://schemas.microsoft.com/office/drawing/2010/main" Requires="a14">
+      <mc:AlternateContent xmlns:mc="http://schemas.openxmlformats.org/markup-compatibility/2006" xmlns:a14="http://schemas.microsoft.com/office/drawing/2010/main">
+        <mc:Choice Requires="a14">
           <p:sp>
             <p:nvSpPr>
               <p:cNvPr id="52" name="TextBox 51">
@@ -8830,7 +8783,7 @@
             </p:txBody>
           </p:sp>
         </mc:Choice>
-        <mc:Fallback>
+        <mc:Fallback xmlns="">
           <p:sp>
             <p:nvSpPr>
               <p:cNvPr id="52" name="TextBox 51">
@@ -8875,8 +8828,8 @@
           </p:sp>
         </mc:Fallback>
       </mc:AlternateContent>
-      <mc:AlternateContent xmlns:mc="http://schemas.openxmlformats.org/markup-compatibility/2006">
-        <mc:Choice xmlns:a14="http://schemas.microsoft.com/office/drawing/2010/main" Requires="a14">
+      <mc:AlternateContent xmlns:mc="http://schemas.openxmlformats.org/markup-compatibility/2006" xmlns:a14="http://schemas.microsoft.com/office/drawing/2010/main">
+        <mc:Choice Requires="a14">
           <p:sp>
             <p:nvSpPr>
               <p:cNvPr id="53" name="TextBox 52">
@@ -9135,7 +9088,7 @@
             </p:txBody>
           </p:sp>
         </mc:Choice>
-        <mc:Fallback>
+        <mc:Fallback xmlns="">
           <p:sp>
             <p:nvSpPr>
               <p:cNvPr id="53" name="TextBox 52">
@@ -16341,10 +16294,10 @@
       </mc:AlternateContent>
       <p:pic>
         <p:nvPicPr>
-          <p:cNvPr id="6" name="Picture 5">
-            <a:extLst>
-              <a:ext uri="{FF2B5EF4-FFF2-40B4-BE49-F238E27FC236}">
-                <a16:creationId xmlns:a16="http://schemas.microsoft.com/office/drawing/2014/main" id="{9B0444A9-6919-4AE5-A184-4CED29F5C9B9}"/>
+          <p:cNvPr id="7" name="Picture 6">
+            <a:extLst>
+              <a:ext uri="{FF2B5EF4-FFF2-40B4-BE49-F238E27FC236}">
+                <a16:creationId xmlns:a16="http://schemas.microsoft.com/office/drawing/2014/main" id="{C5415994-4CAF-4877-A421-17C15E946BF6}"/>
               </a:ext>
             </a:extLst>
           </p:cNvPr>
@@ -16361,8 +16314,8 @@
         </p:blipFill>
         <p:spPr>
           <a:xfrm>
-            <a:off x="2716673" y="2415136"/>
-            <a:ext cx="4973686" cy="2548627"/>
+            <a:off x="2465058" y="2415515"/>
+            <a:ext cx="5235575" cy="2584118"/>
           </a:xfrm>
           <a:prstGeom prst="rect">
             <a:avLst/>
@@ -16372,13 +16325,6 @@
               <a:srgbClr val="11B29F"/>
             </a:solidFill>
           </a:ln>
-          <a:effectLst>
-            <a:outerShdw blurRad="292100" dist="139700" dir="2700000" algn="tl" rotWithShape="0">
-              <a:srgbClr val="333333">
-                <a:alpha val="65000"/>
-              </a:srgbClr>
-            </a:outerShdw>
-          </a:effectLst>
         </p:spPr>
       </p:pic>
     </p:spTree>
@@ -27205,10 +27151,10 @@
       </p:cxnSp>
       <p:sp>
         <p:nvSpPr>
-          <p:cNvPr id="15" name="TextBox 14">
-            <a:extLst>
-              <a:ext uri="{FF2B5EF4-FFF2-40B4-BE49-F238E27FC236}">
-                <a16:creationId xmlns:a16="http://schemas.microsoft.com/office/drawing/2014/main" id="{BE6339E6-E592-419C-AFCD-1B3E9C782B48}"/>
+          <p:cNvPr id="41" name="TextBox 40">
+            <a:extLst>
+              <a:ext uri="{FF2B5EF4-FFF2-40B4-BE49-F238E27FC236}">
+                <a16:creationId xmlns:a16="http://schemas.microsoft.com/office/drawing/2014/main" id="{CC82EC69-CA41-4FAD-883C-C3E08731CBA9}"/>
               </a:ext>
             </a:extLst>
           </p:cNvPr>
@@ -27217,55 +27163,8 @@
         </p:nvSpPr>
         <p:spPr>
           <a:xfrm>
-            <a:off x="3984172" y="2487230"/>
-            <a:ext cx="2508068" cy="523220"/>
-          </a:xfrm>
-          <a:prstGeom prst="rect">
-            <a:avLst/>
-          </a:prstGeom>
-          <a:solidFill>
-            <a:srgbClr val="11B29F"/>
-          </a:solidFill>
-          <a:ln w="57150">
-            <a:solidFill>
-              <a:srgbClr val="A71B86"/>
-            </a:solidFill>
-          </a:ln>
-        </p:spPr>
-        <p:txBody>
-          <a:bodyPr wrap="square" rtlCol="0">
-            <a:spAutoFit/>
-          </a:bodyPr>
-          <a:lstStyle/>
-          <a:p>
-            <a:pPr algn="ctr"/>
-            <a:r>
-              <a:rPr lang="en-US" sz="2800" dirty="0">
-                <a:solidFill>
-                  <a:schemeClr val="bg1"/>
-                </a:solidFill>
-              </a:rPr>
-              <a:t>Center Stage</a:t>
-            </a:r>
-          </a:p>
-        </p:txBody>
-      </p:sp>
-      <p:sp>
-        <p:nvSpPr>
-          <p:cNvPr id="41" name="TextBox 40">
-            <a:extLst>
-              <a:ext uri="{FF2B5EF4-FFF2-40B4-BE49-F238E27FC236}">
-                <a16:creationId xmlns:a16="http://schemas.microsoft.com/office/drawing/2014/main" id="{CC82EC69-CA41-4FAD-883C-C3E08731CBA9}"/>
-              </a:ext>
-            </a:extLst>
-          </p:cNvPr>
-          <p:cNvSpPr txBox="1"/>
-          <p:nvPr/>
-        </p:nvSpPr>
-        <p:spPr>
-          <a:xfrm>
-            <a:off x="1752036" y="3193882"/>
-            <a:ext cx="2976717" cy="954107"/>
+            <a:off x="1184865" y="3193881"/>
+            <a:ext cx="3740663" cy="954107"/>
           </a:xfrm>
           <a:prstGeom prst="rect">
             <a:avLst/>
@@ -27288,7 +27187,7 @@
                   <a:srgbClr val="404040"/>
                 </a:solidFill>
               </a:rPr>
-              <a:t>Group IV</a:t>
+              <a:t>Group IV: Last Initial U-Z</a:t>
             </a:r>
           </a:p>
           <a:p>
@@ -27327,7 +27226,7 @@
         <p:spPr>
           <a:xfrm>
             <a:off x="5663938" y="3193881"/>
-            <a:ext cx="2976717" cy="954107"/>
+            <a:ext cx="3538218" cy="954107"/>
           </a:xfrm>
           <a:prstGeom prst="rect">
             <a:avLst/>
@@ -27350,7 +27249,7 @@
                   <a:srgbClr val="404040"/>
                 </a:solidFill>
               </a:rPr>
-              <a:t>Group I</a:t>
+              <a:t>Group I: Last Initial A-G</a:t>
             </a:r>
           </a:p>
           <a:p>
@@ -27388,8 +27287,8 @@
         </p:nvSpPr>
         <p:spPr>
           <a:xfrm>
-            <a:off x="1752035" y="4659414"/>
-            <a:ext cx="2976717" cy="954107"/>
+            <a:off x="1116235" y="4659414"/>
+            <a:ext cx="3885437" cy="954107"/>
           </a:xfrm>
           <a:prstGeom prst="rect">
             <a:avLst/>
@@ -27412,7 +27311,7 @@
                   <a:srgbClr val="404040"/>
                 </a:solidFill>
               </a:rPr>
-              <a:t>Group III</a:t>
+              <a:t>Group III: Last Initial O-T</a:t>
             </a:r>
           </a:p>
           <a:p>
@@ -27450,8 +27349,8 @@
         </p:nvSpPr>
         <p:spPr>
           <a:xfrm>
-            <a:off x="5667353" y="4659415"/>
-            <a:ext cx="2976717" cy="954107"/>
+            <a:off x="5587486" y="4659414"/>
+            <a:ext cx="3720320" cy="954107"/>
           </a:xfrm>
           <a:prstGeom prst="rect">
             <a:avLst/>
@@ -27474,7 +27373,7 @@
                   <a:srgbClr val="404040"/>
                 </a:solidFill>
               </a:rPr>
-              <a:t>Group II</a:t>
+              <a:t>Group II: Last Initial H-N</a:t>
             </a:r>
           </a:p>
           <a:p>

--- a/Lectures/Lecture 18/Lecture 18.pptx
+++ b/Lectures/Lecture 18/Lecture 18.pptx
@@ -223,7 +223,7 @@
           <a:p>
             <a:fld id="{467FE51A-BC06-4E6F-B1DA-B477364E598F}" type="datetimeFigureOut">
               <a:rPr lang="en-US" smtClean="0"/>
-              <a:t>3/14/2021</a:t>
+              <a:t>3/18/2021</a:t>
             </a:fld>
             <a:endParaRPr lang="en-US"/>
           </a:p>
@@ -637,7 +637,7 @@
           <a:p>
             <a:fld id="{11C4ABE2-2F1A-4C31-A43A-C3E7CE49CE95}" type="datetimeFigureOut">
               <a:rPr lang="en-US" smtClean="0"/>
-              <a:t>3/14/2021</a:t>
+              <a:t>3/18/2021</a:t>
             </a:fld>
             <a:endParaRPr lang="en-US"/>
           </a:p>
@@ -835,7 +835,7 @@
           <a:p>
             <a:fld id="{11C4ABE2-2F1A-4C31-A43A-C3E7CE49CE95}" type="datetimeFigureOut">
               <a:rPr lang="en-US" smtClean="0"/>
-              <a:t>3/14/2021</a:t>
+              <a:t>3/18/2021</a:t>
             </a:fld>
             <a:endParaRPr lang="en-US"/>
           </a:p>
@@ -1043,7 +1043,7 @@
           <a:p>
             <a:fld id="{11C4ABE2-2F1A-4C31-A43A-C3E7CE49CE95}" type="datetimeFigureOut">
               <a:rPr lang="en-US" smtClean="0"/>
-              <a:t>3/14/2021</a:t>
+              <a:t>3/18/2021</a:t>
             </a:fld>
             <a:endParaRPr lang="en-US"/>
           </a:p>
@@ -1241,7 +1241,7 @@
           <a:p>
             <a:fld id="{11C4ABE2-2F1A-4C31-A43A-C3E7CE49CE95}" type="datetimeFigureOut">
               <a:rPr lang="en-US" smtClean="0"/>
-              <a:t>3/14/2021</a:t>
+              <a:t>3/18/2021</a:t>
             </a:fld>
             <a:endParaRPr lang="en-US"/>
           </a:p>
@@ -1516,7 +1516,7 @@
           <a:p>
             <a:fld id="{11C4ABE2-2F1A-4C31-A43A-C3E7CE49CE95}" type="datetimeFigureOut">
               <a:rPr lang="en-US" smtClean="0"/>
-              <a:t>3/14/2021</a:t>
+              <a:t>3/18/2021</a:t>
             </a:fld>
             <a:endParaRPr lang="en-US"/>
           </a:p>
@@ -1781,7 +1781,7 @@
           <a:p>
             <a:fld id="{11C4ABE2-2F1A-4C31-A43A-C3E7CE49CE95}" type="datetimeFigureOut">
               <a:rPr lang="en-US" smtClean="0"/>
-              <a:t>3/14/2021</a:t>
+              <a:t>3/18/2021</a:t>
             </a:fld>
             <a:endParaRPr lang="en-US"/>
           </a:p>
@@ -2193,7 +2193,7 @@
           <a:p>
             <a:fld id="{11C4ABE2-2F1A-4C31-A43A-C3E7CE49CE95}" type="datetimeFigureOut">
               <a:rPr lang="en-US" smtClean="0"/>
-              <a:t>3/14/2021</a:t>
+              <a:t>3/18/2021</a:t>
             </a:fld>
             <a:endParaRPr lang="en-US"/>
           </a:p>
@@ -2334,7 +2334,7 @@
           <a:p>
             <a:fld id="{11C4ABE2-2F1A-4C31-A43A-C3E7CE49CE95}" type="datetimeFigureOut">
               <a:rPr lang="en-US" smtClean="0"/>
-              <a:t>3/14/2021</a:t>
+              <a:t>3/18/2021</a:t>
             </a:fld>
             <a:endParaRPr lang="en-US"/>
           </a:p>
@@ -2447,7 +2447,7 @@
           <a:p>
             <a:fld id="{11C4ABE2-2F1A-4C31-A43A-C3E7CE49CE95}" type="datetimeFigureOut">
               <a:rPr lang="en-US" smtClean="0"/>
-              <a:t>3/14/2021</a:t>
+              <a:t>3/18/2021</a:t>
             </a:fld>
             <a:endParaRPr lang="en-US"/>
           </a:p>
@@ -2758,7 +2758,7 @@
           <a:p>
             <a:fld id="{11C4ABE2-2F1A-4C31-A43A-C3E7CE49CE95}" type="datetimeFigureOut">
               <a:rPr lang="en-US" smtClean="0"/>
-              <a:t>3/14/2021</a:t>
+              <a:t>3/18/2021</a:t>
             </a:fld>
             <a:endParaRPr lang="en-US"/>
           </a:p>
@@ -3046,7 +3046,7 @@
           <a:p>
             <a:fld id="{11C4ABE2-2F1A-4C31-A43A-C3E7CE49CE95}" type="datetimeFigureOut">
               <a:rPr lang="en-US" smtClean="0"/>
-              <a:t>3/14/2021</a:t>
+              <a:t>3/18/2021</a:t>
             </a:fld>
             <a:endParaRPr lang="en-US"/>
           </a:p>
@@ -3287,7 +3287,7 @@
           <a:p>
             <a:fld id="{11C4ABE2-2F1A-4C31-A43A-C3E7CE49CE95}" type="datetimeFigureOut">
               <a:rPr lang="en-US" smtClean="0"/>
-              <a:t>3/14/2021</a:t>
+              <a:t>3/18/2021</a:t>
             </a:fld>
             <a:endParaRPr lang="en-US"/>
           </a:p>
@@ -6530,8 +6530,23 @@
                 </a:solidFill>
                 <a:latin typeface="Corbel" panose="020B0503020204020204" pitchFamily="34" charset="0"/>
               </a:rPr>
-              <a:t>Group 1 doesn’t prioritize labor and cares most about minimizing cost and increasing the desired profit</a:t>
+              <a:t>Group 1 is okay with employees working overtime to ensure that </a:t>
             </a:r>
+            <a:r>
+              <a:rPr lang="en-US" sz="2000">
+                <a:solidFill>
+                  <a:srgbClr val="404040"/>
+                </a:solidFill>
+                <a:latin typeface="Corbel" panose="020B0503020204020204" pitchFamily="34" charset="0"/>
+              </a:rPr>
+              <a:t>they achieve their profit</a:t>
+            </a:r>
+            <a:endParaRPr lang="en-US" sz="2000" dirty="0">
+              <a:solidFill>
+                <a:srgbClr val="404040"/>
+              </a:solidFill>
+              <a:latin typeface="Corbel" panose="020B0503020204020204" pitchFamily="34" charset="0"/>
+            </a:endParaRPr>
           </a:p>
           <a:p>
             <a:pPr marL="742950" lvl="1" indent="-285750">
@@ -14022,7 +14037,7 @@
                         <a:bodyPr/>
                         <a:lstStyle/>
                         <a:p>
-                          <a:endParaRPr lang="en-US" sz="1200">
+                          <a:endParaRPr lang="en-US" sz="1200" dirty="0">
                             <a:solidFill>
                               <a:schemeClr val="bg1"/>
                             </a:solidFill>
@@ -14040,7 +14055,7 @@
                         <a:bodyPr/>
                         <a:lstStyle/>
                         <a:p>
-                          <a:endParaRPr lang="en-US" sz="1200">
+                          <a:endParaRPr lang="en-US" sz="1200" dirty="0">
                             <a:solidFill>
                               <a:schemeClr val="bg1"/>
                             </a:solidFill>
